--- a/docs/articles/assets/pptx/rotate.pptx
+++ b/docs/articles/assets/pptx/rotate.pptx
@@ -2199,7 +2199,7 @@
 
 <file path=ppt/slides/slide1.xml><?xml version="1.0" encoding="utf-8"?>
 <p:sld xmlns:a="http://schemas.openxmlformats.org/drawingml/2006/main" xmlns:r="http://schemas.openxmlformats.org/officeDocument/2006/relationships" xmlns:p="http://schemas.openxmlformats.org/presentationml/2006/main">
-  <p:cSld name="Title and Content">
+  <p:cSld>
     <p:spTree>
       <p:nvGrpSpPr>
         <p:cNvPr id="1" name=""/>
@@ -2514,7 +2514,7 @@
                   </a:tcPr>
                 </a:tc>
               </a:tr>
-              <a:tr h="252042">
+              <a:tr h="252067">
                 <a:tc>
                   <a:txBody>
                     <a:bodyPr/>
@@ -2791,7 +2791,7 @@
                   </a:tcPr>
                 </a:tc>
               </a:tr>
-              <a:tr h="252042">
+              <a:tr h="252067">
                 <a:tc>
                   <a:txBody>
                     <a:bodyPr/>
@@ -3068,7 +3068,7 @@
                   </a:tcPr>
                 </a:tc>
               </a:tr>
-              <a:tr h="252042">
+              <a:tr h="252067">
                 <a:tc>
                   <a:txBody>
                     <a:bodyPr/>
@@ -3345,7 +3345,7 @@
                   </a:tcPr>
                 </a:tc>
               </a:tr>
-              <a:tr h="252042">
+              <a:tr h="252067">
                 <a:tc>
                   <a:txBody>
                     <a:bodyPr/>
@@ -3622,7 +3622,7 @@
                   </a:tcPr>
                 </a:tc>
               </a:tr>
-              <a:tr h="252042">
+              <a:tr h="252067">
                 <a:tc>
                   <a:txBody>
                     <a:bodyPr/>
@@ -3899,7 +3899,7 @@
                   </a:tcPr>
                 </a:tc>
               </a:tr>
-              <a:tr h="252042">
+              <a:tr h="252067">
                 <a:tc>
                   <a:txBody>
                     <a:bodyPr/>
@@ -4181,11 +4181,6 @@
         </a:graphic>
       </p:graphicFrame>
     </p:spTree>
-    <p:extLst>
-      <p:ext uri="{BB962C8B-B14F-4D97-AF65-F5344CB8AC3E}">
-        <p14:creationId xmlns:p14="http://schemas.microsoft.com/office/powerpoint/2010/main" val="271576982"/>
-      </p:ext>
-    </p:extLst>
   </p:cSld>
   <p:clrMapOvr>
     <a:masterClrMapping/>

--- a/docs/articles/assets/pptx/rotate.pptx
+++ b/docs/articles/assets/pptx/rotate.pptx
@@ -2539,7 +2539,7 @@
                           <a:latin typeface="Arial"/>
                           <a:cs typeface="Arial"/>
                         </a:rPr>
-                        <a:t>5.1</a:t>
+                        <a:t>5.100</a:t>
                       </a:r>
                     </a:p>
                   </a:txBody>
@@ -2594,7 +2594,7 @@
                           <a:latin typeface="Arial"/>
                           <a:cs typeface="Arial"/>
                         </a:rPr>
-                        <a:t>3.5</a:t>
+                        <a:t>3.500</a:t>
                       </a:r>
                     </a:p>
                   </a:txBody>
@@ -2649,7 +2649,7 @@
                           <a:latin typeface="Arial"/>
                           <a:cs typeface="Arial"/>
                         </a:rPr>
-                        <a:t>1.4</a:t>
+                        <a:t>1.400</a:t>
                       </a:r>
                     </a:p>
                   </a:txBody>
@@ -2704,7 +2704,7 @@
                           <a:latin typeface="Arial"/>
                           <a:cs typeface="Arial"/>
                         </a:rPr>
-                        <a:t>0.2</a:t>
+                        <a:t>0.200</a:t>
                       </a:r>
                     </a:p>
                   </a:txBody>
@@ -2816,7 +2816,7 @@
                           <a:latin typeface="Arial"/>
                           <a:cs typeface="Arial"/>
                         </a:rPr>
-                        <a:t>4.9</a:t>
+                        <a:t>4.900</a:t>
                       </a:r>
                     </a:p>
                   </a:txBody>
@@ -2871,7 +2871,7 @@
                           <a:latin typeface="Arial"/>
                           <a:cs typeface="Arial"/>
                         </a:rPr>
-                        <a:t>3.0</a:t>
+                        <a:t>3.000</a:t>
                       </a:r>
                     </a:p>
                   </a:txBody>
@@ -2926,7 +2926,7 @@
                           <a:latin typeface="Arial"/>
                           <a:cs typeface="Arial"/>
                         </a:rPr>
-                        <a:t>1.4</a:t>
+                        <a:t>1.400</a:t>
                       </a:r>
                     </a:p>
                   </a:txBody>
@@ -2981,7 +2981,7 @@
                           <a:latin typeface="Arial"/>
                           <a:cs typeface="Arial"/>
                         </a:rPr>
-                        <a:t>0.2</a:t>
+                        <a:t>0.200</a:t>
                       </a:r>
                     </a:p>
                   </a:txBody>
@@ -3093,7 +3093,7 @@
                           <a:latin typeface="Arial"/>
                           <a:cs typeface="Arial"/>
                         </a:rPr>
-                        <a:t>4.7</a:t>
+                        <a:t>4.700</a:t>
                       </a:r>
                     </a:p>
                   </a:txBody>
@@ -3148,7 +3148,7 @@
                           <a:latin typeface="Arial"/>
                           <a:cs typeface="Arial"/>
                         </a:rPr>
-                        <a:t>3.2</a:t>
+                        <a:t>3.200</a:t>
                       </a:r>
                     </a:p>
                   </a:txBody>
@@ -3203,7 +3203,7 @@
                           <a:latin typeface="Arial"/>
                           <a:cs typeface="Arial"/>
                         </a:rPr>
-                        <a:t>1.3</a:t>
+                        <a:t>1.300</a:t>
                       </a:r>
                     </a:p>
                   </a:txBody>
@@ -3258,7 +3258,7 @@
                           <a:latin typeface="Arial"/>
                           <a:cs typeface="Arial"/>
                         </a:rPr>
-                        <a:t>0.2</a:t>
+                        <a:t>0.200</a:t>
                       </a:r>
                     </a:p>
                   </a:txBody>
@@ -3370,7 +3370,7 @@
                           <a:latin typeface="Arial"/>
                           <a:cs typeface="Arial"/>
                         </a:rPr>
-                        <a:t>4.6</a:t>
+                        <a:t>4.600</a:t>
                       </a:r>
                     </a:p>
                   </a:txBody>
@@ -3425,7 +3425,7 @@
                           <a:latin typeface="Arial"/>
                           <a:cs typeface="Arial"/>
                         </a:rPr>
-                        <a:t>3.1</a:t>
+                        <a:t>3.100</a:t>
                       </a:r>
                     </a:p>
                   </a:txBody>
@@ -3480,7 +3480,7 @@
                           <a:latin typeface="Arial"/>
                           <a:cs typeface="Arial"/>
                         </a:rPr>
-                        <a:t>1.5</a:t>
+                        <a:t>1.500</a:t>
                       </a:r>
                     </a:p>
                   </a:txBody>
@@ -3535,7 +3535,7 @@
                           <a:latin typeface="Arial"/>
                           <a:cs typeface="Arial"/>
                         </a:rPr>
-                        <a:t>0.2</a:t>
+                        <a:t>0.200</a:t>
                       </a:r>
                     </a:p>
                   </a:txBody>
@@ -3647,7 +3647,7 @@
                           <a:latin typeface="Arial"/>
                           <a:cs typeface="Arial"/>
                         </a:rPr>
-                        <a:t>5.0</a:t>
+                        <a:t>5.000</a:t>
                       </a:r>
                     </a:p>
                   </a:txBody>
@@ -3702,7 +3702,7 @@
                           <a:latin typeface="Arial"/>
                           <a:cs typeface="Arial"/>
                         </a:rPr>
-                        <a:t>3.6</a:t>
+                        <a:t>3.600</a:t>
                       </a:r>
                     </a:p>
                   </a:txBody>
@@ -3757,7 +3757,7 @@
                           <a:latin typeface="Arial"/>
                           <a:cs typeface="Arial"/>
                         </a:rPr>
-                        <a:t>1.4</a:t>
+                        <a:t>1.400</a:t>
                       </a:r>
                     </a:p>
                   </a:txBody>
@@ -3812,7 +3812,7 @@
                           <a:latin typeface="Arial"/>
                           <a:cs typeface="Arial"/>
                         </a:rPr>
-                        <a:t>0.2</a:t>
+                        <a:t>0.200</a:t>
                       </a:r>
                     </a:p>
                   </a:txBody>
@@ -3924,7 +3924,7 @@
                           <a:latin typeface="Arial"/>
                           <a:cs typeface="Arial"/>
                         </a:rPr>
-                        <a:t>5.4</a:t>
+                        <a:t>5.400</a:t>
                       </a:r>
                     </a:p>
                   </a:txBody>
@@ -3979,7 +3979,7 @@
                           <a:latin typeface="Arial"/>
                           <a:cs typeface="Arial"/>
                         </a:rPr>
-                        <a:t>3.9</a:t>
+                        <a:t>3.900</a:t>
                       </a:r>
                     </a:p>
                   </a:txBody>
@@ -4034,7 +4034,7 @@
                           <a:latin typeface="Arial"/>
                           <a:cs typeface="Arial"/>
                         </a:rPr>
-                        <a:t>1.7</a:t>
+                        <a:t>1.700</a:t>
                       </a:r>
                     </a:p>
                   </a:txBody>
@@ -4089,7 +4089,7 @@
                           <a:latin typeface="Arial"/>
                           <a:cs typeface="Arial"/>
                         </a:rPr>
-                        <a:t>0.4</a:t>
+                        <a:t>0.400</a:t>
                       </a:r>
                     </a:p>
                   </a:txBody>

--- a/docs/articles/assets/pptx/rotate.pptx
+++ b/docs/articles/assets/pptx/rotate.pptx
@@ -2216,7 +2216,7 @@
       </p:grpSpPr>
       <p:graphicFrame xmlns:a="http://schemas.openxmlformats.org/drawingml/2006/main" xmlns:r="http://schemas.openxmlformats.org/officeDocument/2006/relationships" xmlns:p="http://schemas.openxmlformats.org/presentationml/2006/main">
         <p:nvGraphicFramePr>
-          <p:cNvPr name="" id="2"/>
+          <p:cNvPr id="2" name=""/>
           <p:cNvGraphicFramePr>
             <a:graphicFrameLocks noGrp="true"/>
           </p:cNvGraphicFramePr>
@@ -2514,7 +2514,7 @@
                   </a:tcPr>
                 </a:tc>
               </a:tr>
-              <a:tr h="252067">
+              <a:tr h="252042">
                 <a:tc>
                   <a:txBody>
                     <a:bodyPr/>
@@ -2791,7 +2791,7 @@
                   </a:tcPr>
                 </a:tc>
               </a:tr>
-              <a:tr h="252067">
+              <a:tr h="252042">
                 <a:tc>
                   <a:txBody>
                     <a:bodyPr/>
@@ -3068,7 +3068,7 @@
                   </a:tcPr>
                 </a:tc>
               </a:tr>
-              <a:tr h="252067">
+              <a:tr h="252042">
                 <a:tc>
                   <a:txBody>
                     <a:bodyPr/>
@@ -3345,7 +3345,7 @@
                   </a:tcPr>
                 </a:tc>
               </a:tr>
-              <a:tr h="252067">
+              <a:tr h="252042">
                 <a:tc>
                   <a:txBody>
                     <a:bodyPr/>
@@ -3622,7 +3622,7 @@
                   </a:tcPr>
                 </a:tc>
               </a:tr>
-              <a:tr h="252067">
+              <a:tr h="252042">
                 <a:tc>
                   <a:txBody>
                     <a:bodyPr/>
@@ -3899,7 +3899,7 @@
                   </a:tcPr>
                 </a:tc>
               </a:tr>
-              <a:tr h="252067">
+              <a:tr h="252042">
                 <a:tc>
                   <a:txBody>
                     <a:bodyPr/>
@@ -3937,12 +3937,8 @@
                       <a:noFill/>
                       <a:prstDash val="solid"/>
                     </a:lnR>
-                    <a:lnT algn="ctr" cmpd="sng" cap="flat" w="12700">
-                      <a:solidFill>
-                        <a:srgbClr val="333333">
-                          <a:alpha val="100000"/>
-                        </a:srgbClr>
-                      </a:solidFill>
+                    <a:lnT algn="ctr" cmpd="sng" cap="flat" w="0">
+                      <a:noFill/>
                       <a:prstDash val="solid"/>
                     </a:lnT>
                     <a:lnB algn="ctr" cmpd="sng" cap="flat" w="12700">
@@ -3992,12 +3988,8 @@
                       <a:noFill/>
                       <a:prstDash val="solid"/>
                     </a:lnR>
-                    <a:lnT algn="ctr" cmpd="sng" cap="flat" w="12700">
-                      <a:solidFill>
-                        <a:srgbClr val="333333">
-                          <a:alpha val="100000"/>
-                        </a:srgbClr>
-                      </a:solidFill>
+                    <a:lnT algn="ctr" cmpd="sng" cap="flat" w="0">
+                      <a:noFill/>
                       <a:prstDash val="solid"/>
                     </a:lnT>
                     <a:lnB algn="ctr" cmpd="sng" cap="flat" w="12700">
@@ -4047,12 +4039,8 @@
                       <a:noFill/>
                       <a:prstDash val="solid"/>
                     </a:lnR>
-                    <a:lnT algn="ctr" cmpd="sng" cap="flat" w="12700">
-                      <a:solidFill>
-                        <a:srgbClr val="333333">
-                          <a:alpha val="100000"/>
-                        </a:srgbClr>
-                      </a:solidFill>
+                    <a:lnT algn="ctr" cmpd="sng" cap="flat" w="0">
+                      <a:noFill/>
                       <a:prstDash val="solid"/>
                     </a:lnT>
                     <a:lnB algn="ctr" cmpd="sng" cap="flat" w="12700">
@@ -4102,12 +4090,8 @@
                       <a:noFill/>
                       <a:prstDash val="solid"/>
                     </a:lnR>
-                    <a:lnT algn="ctr" cmpd="sng" cap="flat" w="12700">
-                      <a:solidFill>
-                        <a:srgbClr val="333333">
-                          <a:alpha val="100000"/>
-                        </a:srgbClr>
-                      </a:solidFill>
+                    <a:lnT algn="ctr" cmpd="sng" cap="flat" w="0">
+                      <a:noFill/>
                       <a:prstDash val="solid"/>
                     </a:lnT>
                     <a:lnB algn="ctr" cmpd="sng" cap="flat" w="12700">
@@ -4157,12 +4141,8 @@
                       <a:noFill/>
                       <a:prstDash val="solid"/>
                     </a:lnR>
-                    <a:lnT algn="ctr" cmpd="sng" cap="flat" w="12700">
-                      <a:solidFill>
-                        <a:srgbClr val="333333">
-                          <a:alpha val="100000"/>
-                        </a:srgbClr>
-                      </a:solidFill>
+                    <a:lnT algn="ctr" cmpd="sng" cap="flat" w="0">
+                      <a:noFill/>
                       <a:prstDash val="solid"/>
                     </a:lnT>
                     <a:lnB algn="ctr" cmpd="sng" cap="flat" w="12700">
